--- a/documentation/презентация_калькулятор.pptx
+++ b/documentation/презентация_калькулятор.pptx
@@ -258,7 +258,7 @@
           <a:p>
             <a:fld id="{3AB3671F-AA64-4FFB-BBDA-457A3DCCAFB9}" type="datetimeFigureOut">
               <a:rPr lang="ru-RU" smtClean="0"/>
-              <a:t>26.02.2022</a:t>
+              <a:t>27.02.2022</a:t>
             </a:fld>
             <a:endParaRPr lang="ru-RU"/>
           </a:p>
@@ -1541,7 +1541,7 @@
             </a:pPr>
             <a:fld id="{E9A40412-952D-4355-AEE1-5084A13E6343}" type="datetime1">
               <a:rPr lang="ru-RU" smtClean="0"/>
-              <a:t>26.02.2022</a:t>
+              <a:t>27.02.2022</a:t>
             </a:fld>
             <a:endParaRPr lang="ru-RU"/>
           </a:p>
@@ -1733,7 +1733,7 @@
             </a:pPr>
             <a:fld id="{D1A57588-AA29-48C1-A0D3-23CDC8CEF95B}" type="datetime1">
               <a:rPr lang="ru-RU" smtClean="0"/>
-              <a:t>26.02.2022</a:t>
+              <a:t>27.02.2022</a:t>
             </a:fld>
             <a:endParaRPr lang="ru-RU"/>
           </a:p>
@@ -1935,7 +1935,7 @@
             </a:pPr>
             <a:fld id="{B5D72509-6833-4348-BB60-FAACCC152FFC}" type="datetime1">
               <a:rPr lang="ru-RU" smtClean="0"/>
-              <a:t>26.02.2022</a:t>
+              <a:t>27.02.2022</a:t>
             </a:fld>
             <a:endParaRPr lang="ru-RU"/>
           </a:p>
@@ -2127,7 +2127,7 @@
             </a:pPr>
             <a:fld id="{92480D4C-61BD-483D-86D6-B62CDAB9BEDA}" type="datetime1">
               <a:rPr lang="ru-RU" smtClean="0"/>
-              <a:t>26.02.2022</a:t>
+              <a:t>27.02.2022</a:t>
             </a:fld>
             <a:endParaRPr lang="ru-RU"/>
           </a:p>
@@ -2396,7 +2396,7 @@
             </a:pPr>
             <a:fld id="{A751F13C-6A68-445F-9F3B-D8B69AC9FD7E}" type="datetime1">
               <a:rPr lang="ru-RU" smtClean="0"/>
-              <a:t>26.02.2022</a:t>
+              <a:t>27.02.2022</a:t>
             </a:fld>
             <a:endParaRPr lang="ru-RU"/>
           </a:p>
@@ -2705,7 +2705,7 @@
             </a:pPr>
             <a:fld id="{A5532E65-0D75-47CF-9E50-79D7F59885FD}" type="datetime1">
               <a:rPr lang="ru-RU" smtClean="0"/>
-              <a:t>26.02.2022</a:t>
+              <a:t>27.02.2022</a:t>
             </a:fld>
             <a:endParaRPr lang="ru-RU"/>
           </a:p>
@@ -3148,7 +3148,7 @@
             </a:pPr>
             <a:fld id="{911777F0-F331-4210-A598-9C010F52D098}" type="datetime1">
               <a:rPr lang="ru-RU" smtClean="0"/>
-              <a:t>26.02.2022</a:t>
+              <a:t>27.02.2022</a:t>
             </a:fld>
             <a:endParaRPr lang="ru-RU"/>
           </a:p>
@@ -3289,7 +3289,7 @@
             </a:pPr>
             <a:fld id="{1AC8AF8F-D2D8-4C77-9AB7-FFD30F24FEFA}" type="datetime1">
               <a:rPr lang="ru-RU" smtClean="0"/>
-              <a:t>26.02.2022</a:t>
+              <a:t>27.02.2022</a:t>
             </a:fld>
             <a:endParaRPr lang="ru-RU"/>
           </a:p>
@@ -3408,7 +3408,7 @@
             </a:pPr>
             <a:fld id="{9B4BEA78-D3AB-43BC-BBE9-CA6B0150F642}" type="datetime1">
               <a:rPr lang="ru-RU" smtClean="0"/>
-              <a:t>26.02.2022</a:t>
+              <a:t>27.02.2022</a:t>
             </a:fld>
             <a:endParaRPr lang="ru-RU"/>
           </a:p>
@@ -3707,7 +3707,7 @@
             </a:pPr>
             <a:fld id="{8B6CA31B-DE7C-454D-A29A-F2F44B92C02C}" type="datetime1">
               <a:rPr lang="ru-RU" smtClean="0"/>
-              <a:t>26.02.2022</a:t>
+              <a:t>27.02.2022</a:t>
             </a:fld>
             <a:endParaRPr lang="ru-RU"/>
           </a:p>
@@ -3989,7 +3989,7 @@
             </a:pPr>
             <a:fld id="{AE3D309E-A734-454B-96EA-1FFF9C6D640B}" type="datetime1">
               <a:rPr lang="ru-RU" smtClean="0"/>
-              <a:t>26.02.2022</a:t>
+              <a:t>27.02.2022</a:t>
             </a:fld>
             <a:endParaRPr lang="ru-RU"/>
           </a:p>
@@ -4282,7 +4282,7 @@
             </a:pPr>
             <a:fld id="{F00A4505-FFFF-4242-BC45-A2F4E67EA977}" type="datetime1">
               <a:rPr lang="ru-RU" smtClean="0"/>
-              <a:t>26.02.2022</a:t>
+              <a:t>27.02.2022</a:t>
             </a:fld>
             <a:endParaRPr lang="ru-RU"/>
           </a:p>
@@ -6479,8 +6479,8 @@
         </p:nvSpPr>
         <p:spPr>
           <a:xfrm>
-            <a:off x="551384" y="1844824"/>
-            <a:ext cx="9763057" cy="1200329"/>
+            <a:off x="551384" y="1644537"/>
+            <a:ext cx="9763057" cy="1938992"/>
           </a:xfrm>
           <a:prstGeom prst="rect">
             <a:avLst/>
@@ -6518,9 +6518,70 @@
               <a:rPr lang="ru-RU" sz="2400" dirty="0"/>
               <a:t> </a:t>
             </a:r>
-          </a:p>
-        </p:txBody>
-      </p:sp>
+            <a:endParaRPr lang="en-US" sz="2400" dirty="0"/>
+          </a:p>
+          <a:p>
+            <a:endParaRPr lang="en-US" sz="2400" dirty="0"/>
+          </a:p>
+          <a:p>
+            <a:r>
+              <a:rPr lang="en" sz="2400" dirty="0"/>
+              <a:t>https://</a:t>
+            </a:r>
+            <a:r>
+              <a:rPr lang="en" sz="2400" dirty="0" err="1"/>
+              <a:t>github.com</a:t>
+            </a:r>
+            <a:r>
+              <a:rPr lang="en" sz="2400" dirty="0"/>
+              <a:t>/</a:t>
+            </a:r>
+            <a:r>
+              <a:rPr lang="en" sz="2400" dirty="0" err="1"/>
+              <a:t>kuushma</a:t>
+            </a:r>
+            <a:r>
+              <a:rPr lang="en" sz="2400" dirty="0"/>
+              <a:t>/</a:t>
+            </a:r>
+            <a:r>
+              <a:rPr lang="en" sz="2400" dirty="0" err="1"/>
+              <a:t>calculat</a:t>
+            </a:r>
+            <a:endParaRPr lang="ru-RU" sz="2400" dirty="0"/>
+          </a:p>
+        </p:txBody>
+      </p:sp>
+      <p:pic>
+        <p:nvPicPr>
+          <p:cNvPr id="11" name="Рисунок 10">
+            <a:extLst>
+              <a:ext uri="{FF2B5EF4-FFF2-40B4-BE49-F238E27FC236}">
+                <a16:creationId xmlns:a16="http://schemas.microsoft.com/office/drawing/2014/main" id="{F4C23380-5BFF-7B42-ABD0-D9CC57B94D3C}"/>
+              </a:ext>
+            </a:extLst>
+          </p:cNvPr>
+          <p:cNvPicPr>
+            <a:picLocks noChangeAspect="1"/>
+          </p:cNvPicPr>
+          <p:nvPr/>
+        </p:nvPicPr>
+        <p:blipFill>
+          <a:blip r:embed="rId4"/>
+          <a:stretch>
+            <a:fillRect/>
+          </a:stretch>
+        </p:blipFill>
+        <p:spPr>
+          <a:xfrm>
+            <a:off x="8475596" y="2294745"/>
+            <a:ext cx="3165020" cy="4095277"/>
+          </a:xfrm>
+          <a:prstGeom prst="rect">
+            <a:avLst/>
+          </a:prstGeom>
+        </p:spPr>
+      </p:pic>
     </p:spTree>
     <p:extLst>
       <p:ext uri="{BB962C8B-B14F-4D97-AF65-F5344CB8AC3E}">

--- a/documentation/презентация_калькулятор.pptx
+++ b/documentation/презентация_калькулятор.pptx
@@ -258,7 +258,7 @@
           <a:p>
             <a:fld id="{3AB3671F-AA64-4FFB-BBDA-457A3DCCAFB9}" type="datetimeFigureOut">
               <a:rPr lang="ru-RU" smtClean="0"/>
-              <a:t>27.02.2022</a:t>
+              <a:t>28.02.2022</a:t>
             </a:fld>
             <a:endParaRPr lang="ru-RU"/>
           </a:p>
@@ -1541,7 +1541,7 @@
             </a:pPr>
             <a:fld id="{E9A40412-952D-4355-AEE1-5084A13E6343}" type="datetime1">
               <a:rPr lang="ru-RU" smtClean="0"/>
-              <a:t>27.02.2022</a:t>
+              <a:t>28.02.2022</a:t>
             </a:fld>
             <a:endParaRPr lang="ru-RU"/>
           </a:p>
@@ -1733,7 +1733,7 @@
             </a:pPr>
             <a:fld id="{D1A57588-AA29-48C1-A0D3-23CDC8CEF95B}" type="datetime1">
               <a:rPr lang="ru-RU" smtClean="0"/>
-              <a:t>27.02.2022</a:t>
+              <a:t>28.02.2022</a:t>
             </a:fld>
             <a:endParaRPr lang="ru-RU"/>
           </a:p>
@@ -1935,7 +1935,7 @@
             </a:pPr>
             <a:fld id="{B5D72509-6833-4348-BB60-FAACCC152FFC}" type="datetime1">
               <a:rPr lang="ru-RU" smtClean="0"/>
-              <a:t>27.02.2022</a:t>
+              <a:t>28.02.2022</a:t>
             </a:fld>
             <a:endParaRPr lang="ru-RU"/>
           </a:p>
@@ -2127,7 +2127,7 @@
             </a:pPr>
             <a:fld id="{92480D4C-61BD-483D-86D6-B62CDAB9BEDA}" type="datetime1">
               <a:rPr lang="ru-RU" smtClean="0"/>
-              <a:t>27.02.2022</a:t>
+              <a:t>28.02.2022</a:t>
             </a:fld>
             <a:endParaRPr lang="ru-RU"/>
           </a:p>
@@ -2396,7 +2396,7 @@
             </a:pPr>
             <a:fld id="{A751F13C-6A68-445F-9F3B-D8B69AC9FD7E}" type="datetime1">
               <a:rPr lang="ru-RU" smtClean="0"/>
-              <a:t>27.02.2022</a:t>
+              <a:t>28.02.2022</a:t>
             </a:fld>
             <a:endParaRPr lang="ru-RU"/>
           </a:p>
@@ -2705,7 +2705,7 @@
             </a:pPr>
             <a:fld id="{A5532E65-0D75-47CF-9E50-79D7F59885FD}" type="datetime1">
               <a:rPr lang="ru-RU" smtClean="0"/>
-              <a:t>27.02.2022</a:t>
+              <a:t>28.02.2022</a:t>
             </a:fld>
             <a:endParaRPr lang="ru-RU"/>
           </a:p>
@@ -3148,7 +3148,7 @@
             </a:pPr>
             <a:fld id="{911777F0-F331-4210-A598-9C010F52D098}" type="datetime1">
               <a:rPr lang="ru-RU" smtClean="0"/>
-              <a:t>27.02.2022</a:t>
+              <a:t>28.02.2022</a:t>
             </a:fld>
             <a:endParaRPr lang="ru-RU"/>
           </a:p>
@@ -3289,7 +3289,7 @@
             </a:pPr>
             <a:fld id="{1AC8AF8F-D2D8-4C77-9AB7-FFD30F24FEFA}" type="datetime1">
               <a:rPr lang="ru-RU" smtClean="0"/>
-              <a:t>27.02.2022</a:t>
+              <a:t>28.02.2022</a:t>
             </a:fld>
             <a:endParaRPr lang="ru-RU"/>
           </a:p>
@@ -3408,7 +3408,7 @@
             </a:pPr>
             <a:fld id="{9B4BEA78-D3AB-43BC-BBE9-CA6B0150F642}" type="datetime1">
               <a:rPr lang="ru-RU" smtClean="0"/>
-              <a:t>27.02.2022</a:t>
+              <a:t>28.02.2022</a:t>
             </a:fld>
             <a:endParaRPr lang="ru-RU"/>
           </a:p>
@@ -3707,7 +3707,7 @@
             </a:pPr>
             <a:fld id="{8B6CA31B-DE7C-454D-A29A-F2F44B92C02C}" type="datetime1">
               <a:rPr lang="ru-RU" smtClean="0"/>
-              <a:t>27.02.2022</a:t>
+              <a:t>28.02.2022</a:t>
             </a:fld>
             <a:endParaRPr lang="ru-RU"/>
           </a:p>
@@ -3989,7 +3989,7 @@
             </a:pPr>
             <a:fld id="{AE3D309E-A734-454B-96EA-1FFF9C6D640B}" type="datetime1">
               <a:rPr lang="ru-RU" smtClean="0"/>
-              <a:t>27.02.2022</a:t>
+              <a:t>28.02.2022</a:t>
             </a:fld>
             <a:endParaRPr lang="ru-RU"/>
           </a:p>
@@ -4282,7 +4282,7 @@
             </a:pPr>
             <a:fld id="{F00A4505-FFFF-4242-BC45-A2F4E67EA977}" type="datetime1">
               <a:rPr lang="ru-RU" smtClean="0"/>
-              <a:t>27.02.2022</a:t>
+              <a:t>28.02.2022</a:t>
             </a:fld>
             <a:endParaRPr lang="ru-RU"/>
           </a:p>
@@ -6503,22 +6503,12 @@
           </a:p>
           <a:p>
             <a:r>
-              <a:rPr lang="en" sz="2400" dirty="0"/>
-              <a:t>https://</a:t>
-            </a:r>
-            <a:r>
-              <a:rPr lang="en" sz="2400" dirty="0" err="1"/>
-              <a:t>youtu.be</a:t>
-            </a:r>
-            <a:r>
-              <a:rPr lang="en" sz="2400" dirty="0"/>
-              <a:t>/kMghQKkNT5I</a:t>
-            </a:r>
-            <a:r>
-              <a:rPr lang="ru-RU" sz="2400" dirty="0"/>
-              <a:t> </a:t>
-            </a:r>
-            <a:endParaRPr lang="en-US" sz="2400" dirty="0"/>
+              <a:rPr lang="en" sz="2400" dirty="0">
+                <a:hlinkClick r:id="rId4"/>
+              </a:rPr>
+              <a:t>https://youtu.be/v56c3S8508c</a:t>
+            </a:r>
+            <a:endParaRPr lang="en" sz="2400" dirty="0"/>
           </a:p>
           <a:p>
             <a:endParaRPr lang="en-US" sz="2400" dirty="0"/>
@@ -6567,7 +6557,7 @@
           <p:nvPr/>
         </p:nvPicPr>
         <p:blipFill>
-          <a:blip r:embed="rId4"/>
+          <a:blip r:embed="rId5"/>
           <a:stretch>
             <a:fillRect/>
           </a:stretch>

--- a/documentation/презентация_калькулятор.pptx
+++ b/documentation/презентация_калькулятор.pptx
@@ -6085,7 +6085,11 @@
           <a:lstStyle/>
           <a:p>
             <a:r>
-              <a:rPr lang="ru-RU" sz="4400" b="1" dirty="0"/>
+              <a:rPr lang="ru-RU" sz="4400" b="1" dirty="0">
+                <a:solidFill>
+                  <a:srgbClr val="001F4F"/>
+                </a:solidFill>
+              </a:rPr>
               <a:t>Архитектура</a:t>
             </a:r>
           </a:p>
@@ -6480,7 +6484,7 @@
         <p:spPr>
           <a:xfrm>
             <a:off x="551384" y="1644537"/>
-            <a:ext cx="9763057" cy="1938992"/>
+            <a:ext cx="9763057" cy="2308324"/>
           </a:xfrm>
           <a:prstGeom prst="rect">
             <a:avLst/>
@@ -6515,29 +6519,14 @@
           </a:p>
           <a:p>
             <a:r>
-              <a:rPr lang="en" sz="2400" dirty="0"/>
-              <a:t>https://</a:t>
-            </a:r>
-            <a:r>
-              <a:rPr lang="en" sz="2400" dirty="0" err="1"/>
-              <a:t>github.com</a:t>
-            </a:r>
-            <a:r>
-              <a:rPr lang="en" sz="2400" dirty="0"/>
-              <a:t>/</a:t>
-            </a:r>
-            <a:r>
-              <a:rPr lang="en" sz="2400" dirty="0" err="1"/>
-              <a:t>kuushma</a:t>
-            </a:r>
-            <a:r>
-              <a:rPr lang="en" sz="2400" dirty="0"/>
-              <a:t>/</a:t>
-            </a:r>
-            <a:r>
-              <a:rPr lang="en" sz="2400" dirty="0" err="1"/>
-              <a:t>calculat</a:t>
-            </a:r>
+              <a:rPr lang="en" sz="2400" dirty="0">
+                <a:hlinkClick r:id="rId5"/>
+              </a:rPr>
+              <a:t>https://github.com/kuushma/calculat</a:t>
+            </a:r>
+            <a:endParaRPr lang="ru-RU" sz="2400" dirty="0"/>
+          </a:p>
+          <a:p>
             <a:endParaRPr lang="ru-RU" sz="2400" dirty="0"/>
           </a:p>
         </p:txBody>
@@ -6557,7 +6546,7 @@
           <p:nvPr/>
         </p:nvPicPr>
         <p:blipFill>
-          <a:blip r:embed="rId5"/>
+          <a:blip r:embed="rId6"/>
           <a:stretch>
             <a:fillRect/>
           </a:stretch>

--- a/documentation/презентация_калькулятор.pptx
+++ b/documentation/презентация_калькулятор.pptx
@@ -5,7 +5,7 @@
     <p:sldMasterId id="2147483648" r:id="rId1"/>
   </p:sldMasterIdLst>
   <p:notesMasterIdLst>
-    <p:notesMasterId r:id="rId11"/>
+    <p:notesMasterId r:id="rId12"/>
   </p:notesMasterIdLst>
   <p:sldIdLst>
     <p:sldId id="258" r:id="rId2"/>
@@ -14,9 +14,10 @@
     <p:sldId id="319" r:id="rId5"/>
     <p:sldId id="318" r:id="rId6"/>
     <p:sldId id="320" r:id="rId7"/>
-    <p:sldId id="321" r:id="rId8"/>
-    <p:sldId id="323" r:id="rId9"/>
-    <p:sldId id="322" r:id="rId10"/>
+    <p:sldId id="324" r:id="rId8"/>
+    <p:sldId id="321" r:id="rId9"/>
+    <p:sldId id="323" r:id="rId10"/>
+    <p:sldId id="322" r:id="rId11"/>
   </p:sldIdLst>
   <p:sldSz cx="12192000" cy="6858000"/>
   <p:notesSz cx="6858000" cy="9144000"/>
@@ -651,6 +652,94 @@
 </p:notes>
 </file>
 
+<file path=ppt/notesSlides/notesSlide10.xml><?xml version="1.0" encoding="utf-8"?>
+<p:notes xmlns:a="http://schemas.openxmlformats.org/drawingml/2006/main" xmlns:r="http://schemas.openxmlformats.org/officeDocument/2006/relationships" xmlns:p="http://schemas.openxmlformats.org/presentationml/2006/main">
+  <p:cSld>
+    <p:spTree>
+      <p:nvGrpSpPr>
+        <p:cNvPr id="1" name=""/>
+        <p:cNvGrpSpPr/>
+        <p:nvPr/>
+      </p:nvGrpSpPr>
+      <p:grpSpPr>
+        <a:xfrm>
+          <a:off x="0" y="0"/>
+          <a:ext cx="0" cy="0"/>
+          <a:chOff x="0" y="0"/>
+          <a:chExt cx="0" cy="0"/>
+        </a:xfrm>
+      </p:grpSpPr>
+      <p:sp>
+        <p:nvSpPr>
+          <p:cNvPr id="2" name="Образ слайда 1"/>
+          <p:cNvSpPr>
+            <a:spLocks noGrp="1" noRot="1" noChangeAspect="1"/>
+          </p:cNvSpPr>
+          <p:nvPr>
+            <p:ph type="sldImg"/>
+          </p:nvPr>
+        </p:nvSpPr>
+        <p:spPr/>
+      </p:sp>
+      <p:sp>
+        <p:nvSpPr>
+          <p:cNvPr id="3" name="Заметки 2"/>
+          <p:cNvSpPr>
+            <a:spLocks noGrp="1"/>
+          </p:cNvSpPr>
+          <p:nvPr>
+            <p:ph type="body" idx="1"/>
+          </p:nvPr>
+        </p:nvSpPr>
+        <p:spPr/>
+        <p:txBody>
+          <a:bodyPr/>
+          <a:lstStyle/>
+          <a:p>
+            <a:pPr marL="342900" indent="-342900">
+              <a:buFont typeface="Wingdings" panose="05000000000000000000" pitchFamily="2" charset="2"/>
+              <a:buChar char="Ø"/>
+            </a:pPr>
+            <a:endParaRPr lang="ru-RU" dirty="0"/>
+          </a:p>
+        </p:txBody>
+      </p:sp>
+      <p:sp>
+        <p:nvSpPr>
+          <p:cNvPr id="4" name="Номер слайда 3"/>
+          <p:cNvSpPr>
+            <a:spLocks noGrp="1"/>
+          </p:cNvSpPr>
+          <p:nvPr>
+            <p:ph type="sldNum" sz="quarter" idx="10"/>
+          </p:nvPr>
+        </p:nvSpPr>
+        <p:spPr/>
+        <p:txBody>
+          <a:bodyPr/>
+          <a:lstStyle/>
+          <a:p>
+            <a:fld id="{2467F036-0B2F-4535-9F51-AE7E1FFA45F6}" type="slidenum">
+              <a:rPr lang="ru-RU" smtClean="0"/>
+              <a:t>10</a:t>
+            </a:fld>
+            <a:endParaRPr lang="ru-RU"/>
+          </a:p>
+        </p:txBody>
+      </p:sp>
+    </p:spTree>
+    <p:extLst>
+      <p:ext uri="{BB962C8B-B14F-4D97-AF65-F5344CB8AC3E}">
+        <p14:creationId xmlns:p14="http://schemas.microsoft.com/office/powerpoint/2010/main" val="1563582460"/>
+      </p:ext>
+    </p:extLst>
+  </p:cSld>
+  <p:clrMapOvr>
+    <a:masterClrMapping/>
+  </p:clrMapOvr>
+</p:notes>
+</file>
+
 <file path=ppt/notesSlides/notesSlide2.xml><?xml version="1.0" encoding="utf-8"?>
 <p:notes xmlns:a="http://schemas.openxmlformats.org/drawingml/2006/main" xmlns:r="http://schemas.openxmlformats.org/officeDocument/2006/relationships" xmlns:p="http://schemas.openxmlformats.org/presentationml/2006/main">
   <p:cSld>
@@ -1169,7 +1258,7 @@
     </p:spTree>
     <p:extLst>
       <p:ext uri="{BB962C8B-B14F-4D97-AF65-F5344CB8AC3E}">
-        <p14:creationId xmlns:p14="http://schemas.microsoft.com/office/powerpoint/2010/main" val="2857653014"/>
+        <p14:creationId xmlns:p14="http://schemas.microsoft.com/office/powerpoint/2010/main" val="1811489033"/>
       </p:ext>
     </p:extLst>
   </p:cSld>
@@ -1257,7 +1346,7 @@
     </p:spTree>
     <p:extLst>
       <p:ext uri="{BB962C8B-B14F-4D97-AF65-F5344CB8AC3E}">
-        <p14:creationId xmlns:p14="http://schemas.microsoft.com/office/powerpoint/2010/main" val="1821774204"/>
+        <p14:creationId xmlns:p14="http://schemas.microsoft.com/office/powerpoint/2010/main" val="2857653014"/>
       </p:ext>
     </p:extLst>
   </p:cSld>
@@ -1345,7 +1434,7 @@
     </p:spTree>
     <p:extLst>
       <p:ext uri="{BB962C8B-B14F-4D97-AF65-F5344CB8AC3E}">
-        <p14:creationId xmlns:p14="http://schemas.microsoft.com/office/powerpoint/2010/main" val="1563582460"/>
+        <p14:creationId xmlns:p14="http://schemas.microsoft.com/office/powerpoint/2010/main" val="1821774204"/>
       </p:ext>
     </p:extLst>
   </p:cSld>
@@ -5005,8 +5094,8 @@
         </p:nvSpPr>
         <p:spPr>
           <a:xfrm>
-            <a:off x="2227267" y="2984758"/>
-            <a:ext cx="8133509" cy="954107"/>
+            <a:off x="1241581" y="2984758"/>
+            <a:ext cx="10104882" cy="954107"/>
           </a:xfrm>
           <a:prstGeom prst="rect">
             <a:avLst/>
@@ -5020,22 +5109,35 @@
           <a:lstStyle/>
           <a:p>
             <a:r>
-              <a:rPr lang="ru-RU" sz="2800" dirty="0">
+              <a:rPr lang="ru-RU" sz="2800" b="1" dirty="0">
                 <a:solidFill>
                   <a:srgbClr val="F05423"/>
                 </a:solidFill>
               </a:rPr>
-              <a:t>Калькулятор площадей геометрических фигур </a:t>
-            </a:r>
-          </a:p>
-          <a:p>
-            <a:r>
-              <a:rPr lang="ru-RU" sz="2800" dirty="0">
+              <a:t>КАЛЬКУЛЯТОР ПЛОЩАДЕЙ ГЕОМЕТРИЧЕСКИХ ФИГУР </a:t>
+            </a:r>
+            <a:endParaRPr lang="en-US" sz="2800" b="1" dirty="0">
+              <a:solidFill>
+                <a:srgbClr val="F05423"/>
+              </a:solidFill>
+            </a:endParaRPr>
+          </a:p>
+          <a:p>
+            <a:r>
+              <a:rPr lang="en-US" sz="2800" b="1" dirty="0">
                 <a:solidFill>
                   <a:srgbClr val="F05423"/>
                 </a:solidFill>
               </a:rPr>
-              <a:t>                       и генератор задач</a:t>
+              <a:t>                           </a:t>
+            </a:r>
+            <a:r>
+              <a:rPr lang="ru-RU" sz="2800" b="1" dirty="0">
+                <a:solidFill>
+                  <a:srgbClr val="F05423"/>
+                </a:solidFill>
+              </a:rPr>
+              <a:t>И ГЕНЕРАТОР ЗАДАЧ</a:t>
             </a:r>
           </a:p>
         </p:txBody>
@@ -5069,49 +5171,81 @@
           <a:lstStyle/>
           <a:p>
             <a:r>
-              <a:rPr lang="ru-RU" sz="1600" dirty="0"/>
-              <a:t>Кушнарева М.М.</a:t>
-            </a:r>
-          </a:p>
-          <a:p>
-            <a:r>
-              <a:rPr lang="ru-RU" sz="1600" dirty="0"/>
+              <a:rPr lang="ru-RU" sz="1600" dirty="0">
+                <a:solidFill>
+                  <a:srgbClr val="001F4F"/>
+                </a:solidFill>
+              </a:rPr>
+              <a:t>Кушнарева Мария Михайловна</a:t>
+            </a:r>
+          </a:p>
+          <a:p>
+            <a:r>
+              <a:rPr lang="ru-RU" sz="1600" dirty="0">
+                <a:solidFill>
+                  <a:srgbClr val="001F4F"/>
+                </a:solidFill>
+              </a:rPr>
               <a:t>ученица 10-Т класса </a:t>
             </a:r>
           </a:p>
           <a:p>
             <a:r>
-              <a:rPr lang="ru-RU" sz="1600" dirty="0"/>
+              <a:rPr lang="ru-RU" sz="1600" dirty="0">
+                <a:solidFill>
+                  <a:srgbClr val="001F4F"/>
+                </a:solidFill>
+              </a:rPr>
               <a:t>ГБОУ Образовательный центр «Протон»</a:t>
             </a:r>
           </a:p>
           <a:p>
             <a:r>
-              <a:rPr lang="ru-RU" sz="1600" dirty="0"/>
+              <a:rPr lang="ru-RU" sz="1600" dirty="0">
+                <a:solidFill>
+                  <a:srgbClr val="001F4F"/>
+                </a:solidFill>
+              </a:rPr>
               <a:t> </a:t>
             </a:r>
           </a:p>
           <a:p>
             <a:r>
-              <a:rPr lang="ru-RU" sz="1600" dirty="0"/>
+              <a:rPr lang="ru-RU" sz="1600" dirty="0">
+                <a:solidFill>
+                  <a:srgbClr val="001F4F"/>
+                </a:solidFill>
+              </a:rPr>
               <a:t>Руководитель:</a:t>
             </a:r>
           </a:p>
           <a:p>
             <a:r>
-              <a:rPr lang="ru-RU" sz="1600" dirty="0"/>
+              <a:rPr lang="ru-RU" sz="1600" dirty="0">
+                <a:solidFill>
+                  <a:srgbClr val="001F4F"/>
+                </a:solidFill>
+              </a:rPr>
               <a:t>учитель информатики</a:t>
             </a:r>
           </a:p>
           <a:p>
             <a:r>
-              <a:rPr lang="ru-RU" sz="1600" dirty="0"/>
+              <a:rPr lang="ru-RU" sz="1600" dirty="0">
+                <a:solidFill>
+                  <a:srgbClr val="001F4F"/>
+                </a:solidFill>
+              </a:rPr>
               <a:t>ГБОУ Образовательный центр «Протон» </a:t>
             </a:r>
           </a:p>
           <a:p>
             <a:r>
-              <a:rPr lang="ru-RU" sz="1600" dirty="0"/>
+              <a:rPr lang="ru-RU" sz="1600" dirty="0">
+                <a:solidFill>
+                  <a:srgbClr val="001F4F"/>
+                </a:solidFill>
+              </a:rPr>
               <a:t>Федоров Кирилл Евгеньевич</a:t>
             </a:r>
           </a:p>
@@ -5124,6 +5258,181 @@
     <p:extLst>
       <p:ext uri="{BB962C8B-B14F-4D97-AF65-F5344CB8AC3E}">
         <p14:creationId xmlns:p14="http://schemas.microsoft.com/office/powerpoint/2010/main" val="2396953856"/>
+      </p:ext>
+    </p:extLst>
+  </p:cSld>
+  <p:clrMapOvr>
+    <a:masterClrMapping/>
+  </p:clrMapOvr>
+</p:sld>
+</file>
+
+<file path=ppt/slides/slide10.xml><?xml version="1.0" encoding="utf-8"?>
+<p:sld xmlns:a="http://schemas.openxmlformats.org/drawingml/2006/main" xmlns:r="http://schemas.openxmlformats.org/officeDocument/2006/relationships" xmlns:p="http://schemas.openxmlformats.org/presentationml/2006/main">
+  <p:cSld>
+    <p:bg>
+      <p:bgPr>
+        <a:blipFill dpi="0" rotWithShape="1">
+          <a:blip r:embed="rId3">
+            <a:lum/>
+          </a:blip>
+          <a:srcRect/>
+          <a:stretch>
+            <a:fillRect/>
+          </a:stretch>
+        </a:blipFill>
+        <a:effectLst/>
+      </p:bgPr>
+    </p:bg>
+    <p:spTree>
+      <p:nvGrpSpPr>
+        <p:cNvPr id="1" name=""/>
+        <p:cNvGrpSpPr/>
+        <p:nvPr/>
+      </p:nvGrpSpPr>
+      <p:grpSpPr>
+        <a:xfrm>
+          <a:off x="0" y="0"/>
+          <a:ext cx="0" cy="0"/>
+          <a:chOff x="0" y="0"/>
+          <a:chExt cx="0" cy="0"/>
+        </a:xfrm>
+      </p:grpSpPr>
+      <p:sp>
+        <p:nvSpPr>
+          <p:cNvPr id="2" name="TextBox 1">
+            <a:extLst>
+              <a:ext uri="{FF2B5EF4-FFF2-40B4-BE49-F238E27FC236}">
+                <a16:creationId xmlns:a16="http://schemas.microsoft.com/office/drawing/2014/main" id="{EEE6D9F6-A85C-3A47-9DB8-E3C33FFAD9EB}"/>
+              </a:ext>
+            </a:extLst>
+          </p:cNvPr>
+          <p:cNvSpPr txBox="1"/>
+          <p:nvPr/>
+        </p:nvSpPr>
+        <p:spPr>
+          <a:xfrm>
+            <a:off x="1703512" y="404664"/>
+            <a:ext cx="6855210" cy="769441"/>
+          </a:xfrm>
+          <a:prstGeom prst="rect">
+            <a:avLst/>
+          </a:prstGeom>
+          <a:noFill/>
+        </p:spPr>
+        <p:txBody>
+          <a:bodyPr wrap="none" rtlCol="0">
+            <a:spAutoFit/>
+          </a:bodyPr>
+          <a:lstStyle/>
+          <a:p>
+            <a:r>
+              <a:rPr lang="ru-RU" sz="4400" b="1" dirty="0">
+                <a:solidFill>
+                  <a:srgbClr val="001F4F"/>
+                </a:solidFill>
+              </a:rPr>
+              <a:t>Перспективы развития </a:t>
+            </a:r>
+          </a:p>
+        </p:txBody>
+      </p:sp>
+      <p:sp>
+        <p:nvSpPr>
+          <p:cNvPr id="3" name="TextBox 2">
+            <a:extLst>
+              <a:ext uri="{FF2B5EF4-FFF2-40B4-BE49-F238E27FC236}">
+                <a16:creationId xmlns:a16="http://schemas.microsoft.com/office/drawing/2014/main" id="{9BD5324A-91F4-884C-861A-EC2538E5BB7F}"/>
+              </a:ext>
+            </a:extLst>
+          </p:cNvPr>
+          <p:cNvSpPr txBox="1"/>
+          <p:nvPr/>
+        </p:nvSpPr>
+        <p:spPr>
+          <a:xfrm>
+            <a:off x="384116" y="1988840"/>
+            <a:ext cx="11400516" cy="3347840"/>
+          </a:xfrm>
+          <a:prstGeom prst="rect">
+            <a:avLst/>
+          </a:prstGeom>
+          <a:noFill/>
+        </p:spPr>
+        <p:txBody>
+          <a:bodyPr wrap="square" rtlCol="0">
+            <a:spAutoFit/>
+          </a:bodyPr>
+          <a:lstStyle/>
+          <a:p>
+            <a:pPr marL="457200" indent="-457200" algn="just">
+              <a:lnSpc>
+                <a:spcPct val="150000"/>
+              </a:lnSpc>
+              <a:buFont typeface="Arial" panose="020B0604020202020204" pitchFamily="34" charset="0"/>
+              <a:buChar char="•"/>
+            </a:pPr>
+            <a:r>
+              <a:rPr lang="ru-RU" sz="2400" dirty="0"/>
+              <a:t>В будущем данную программу можно будет дополнять другими мало известными формулами</a:t>
+            </a:r>
+            <a:r>
+              <a:rPr lang="en-US" sz="2400" dirty="0"/>
+              <a:t>,</a:t>
+            </a:r>
+            <a:r>
+              <a:rPr lang="ru-RU" sz="2400" dirty="0"/>
+              <a:t> которые могут пригодиться уже не только 8 классу</a:t>
+            </a:r>
+            <a:r>
+              <a:rPr lang="en-US" sz="2400" dirty="0"/>
+              <a:t>, </a:t>
+            </a:r>
+            <a:r>
+              <a:rPr lang="ru-RU" sz="2400" dirty="0"/>
+              <a:t>но так же и старшеклассникам</a:t>
+            </a:r>
+            <a:r>
+              <a:rPr lang="en-US" sz="2400" dirty="0"/>
+              <a:t>.</a:t>
+            </a:r>
+            <a:endParaRPr lang="ru-RU" sz="2400" dirty="0"/>
+          </a:p>
+          <a:p>
+            <a:pPr algn="just">
+              <a:lnSpc>
+                <a:spcPct val="150000"/>
+              </a:lnSpc>
+            </a:pPr>
+            <a:endParaRPr lang="en-US" sz="2400" dirty="0"/>
+          </a:p>
+          <a:p>
+            <a:pPr marL="457200" indent="-457200" algn="just">
+              <a:lnSpc>
+                <a:spcPct val="150000"/>
+              </a:lnSpc>
+              <a:buFont typeface="Arial" panose="020B0604020202020204" pitchFamily="34" charset="0"/>
+              <a:buChar char="•"/>
+            </a:pPr>
+            <a:r>
+              <a:rPr lang="ru-RU" sz="2400" dirty="0"/>
+              <a:t>Усовершенствовать генератор задач</a:t>
+            </a:r>
+            <a:r>
+              <a:rPr lang="en-US" sz="2400" dirty="0"/>
+              <a:t>, </a:t>
+            </a:r>
+            <a:r>
+              <a:rPr lang="ru-RU" sz="2400" dirty="0"/>
+              <a:t>для того чтобы он мог генерировать задачи с большим количеством изменяемых переменных</a:t>
+            </a:r>
+          </a:p>
+        </p:txBody>
+      </p:sp>
+    </p:spTree>
+    <p:extLst>
+      <p:ext uri="{BB962C8B-B14F-4D97-AF65-F5344CB8AC3E}">
+        <p14:creationId xmlns:p14="http://schemas.microsoft.com/office/powerpoint/2010/main" val="2739388265"/>
       </p:ext>
     </p:extLst>
   </p:cSld>
@@ -5194,6 +5503,9 @@
           <a:p>
             <a:r>
               <a:rPr lang="ru-RU" sz="4400" b="1" dirty="0">
+                <a:solidFill>
+                  <a:srgbClr val="001F4F"/>
+                </a:solidFill>
                 <a:latin typeface="Arial" panose="020B0604020202020204" pitchFamily="34" charset="0"/>
                 <a:ea typeface="Noto Sans Carian" panose="020B0502040504020204" pitchFamily="34" charset="0"/>
                 <a:cs typeface="Arial" panose="020B0604020202020204" pitchFamily="34" charset="0"/>
@@ -5395,7 +5707,11 @@
           <a:lstStyle/>
           <a:p>
             <a:r>
-              <a:rPr lang="ru-RU" sz="4400" b="1" dirty="0"/>
+              <a:rPr lang="ru-RU" sz="4400" b="1" dirty="0">
+                <a:solidFill>
+                  <a:srgbClr val="001F4F"/>
+                </a:solidFill>
+              </a:rPr>
               <a:t>Конкуренты</a:t>
             </a:r>
           </a:p>
@@ -5621,7 +5937,11 @@
           <a:lstStyle/>
           <a:p>
             <a:r>
-              <a:rPr lang="ru-RU" sz="4400" b="1" dirty="0"/>
+              <a:rPr lang="ru-RU" sz="4400" b="1" dirty="0">
+                <a:solidFill>
+                  <a:srgbClr val="001F4F"/>
+                </a:solidFill>
+              </a:rPr>
               <a:t>Решение</a:t>
             </a:r>
           </a:p>
@@ -5826,8 +6146,24 @@
           <a:lstStyle/>
           <a:p>
             <a:r>
+              <a:rPr lang="ru-RU" sz="4400" b="1" dirty="0">
+                <a:solidFill>
+                  <a:srgbClr val="001F4F"/>
+                </a:solidFill>
+              </a:rPr>
+              <a:t>Уникальная</a:t>
+            </a:r>
+            <a:r>
               <a:rPr lang="ru-RU" sz="4400" b="1" dirty="0"/>
-              <a:t>Уникальная ценность</a:t>
+              <a:t> </a:t>
+            </a:r>
+            <a:r>
+              <a:rPr lang="ru-RU" sz="4400" b="1" dirty="0">
+                <a:solidFill>
+                  <a:srgbClr val="001F4F"/>
+                </a:solidFill>
+              </a:rPr>
+              <a:t>ценность</a:t>
             </a:r>
           </a:p>
         </p:txBody>
@@ -6278,7 +6614,7 @@
           <p:cNvPr id="2" name="TextBox 1">
             <a:extLst>
               <a:ext uri="{FF2B5EF4-FFF2-40B4-BE49-F238E27FC236}">
-                <a16:creationId xmlns:a16="http://schemas.microsoft.com/office/drawing/2014/main" id="{5CE5B4B2-013D-2541-9F16-9B599EC7239E}"/>
+                <a16:creationId xmlns:a16="http://schemas.microsoft.com/office/drawing/2014/main" id="{EEE6D9F6-A85C-3A47-9DB8-E3C33FFAD9EB}"/>
               </a:ext>
             </a:extLst>
           </p:cNvPr>
@@ -6288,7 +6624,7 @@
         <p:spPr>
           <a:xfrm>
             <a:off x="1703512" y="404664"/>
-            <a:ext cx="5343963" cy="769441"/>
+            <a:ext cx="4169731" cy="769441"/>
           </a:xfrm>
           <a:prstGeom prst="rect">
             <a:avLst/>
@@ -6302,8 +6638,12 @@
           <a:lstStyle/>
           <a:p>
             <a:r>
-              <a:rPr lang="ru-RU" sz="4400" b="1" dirty="0"/>
-              <a:t>Этапы разработки</a:t>
+              <a:rPr lang="ru-RU" sz="4400" b="1" dirty="0">
+                <a:solidFill>
+                  <a:srgbClr val="001F4F"/>
+                </a:solidFill>
+              </a:rPr>
+              <a:t>Поиск ошибок</a:t>
             </a:r>
           </a:p>
         </p:txBody>
@@ -6313,7 +6653,7 @@
           <p:cNvPr id="3" name="TextBox 2">
             <a:extLst>
               <a:ext uri="{FF2B5EF4-FFF2-40B4-BE49-F238E27FC236}">
-                <a16:creationId xmlns:a16="http://schemas.microsoft.com/office/drawing/2014/main" id="{65262EE3-BFAC-7E42-8FDD-F6A66B7885EB}"/>
+                <a16:creationId xmlns:a16="http://schemas.microsoft.com/office/drawing/2014/main" id="{9BD5324A-91F4-884C-861A-EC2538E5BB7F}"/>
               </a:ext>
             </a:extLst>
           </p:cNvPr>
@@ -6322,8 +6662,8 @@
         </p:nvSpPr>
         <p:spPr>
           <a:xfrm>
-            <a:off x="551384" y="1988840"/>
-            <a:ext cx="8956234" cy="3816429"/>
+            <a:off x="384116" y="1988840"/>
+            <a:ext cx="3407628" cy="2793842"/>
           </a:xfrm>
           <a:prstGeom prst="rect">
             <a:avLst/>
@@ -6331,69 +6671,157 @@
           <a:noFill/>
         </p:spPr>
         <p:txBody>
-          <a:bodyPr wrap="none" rtlCol="0">
+          <a:bodyPr wrap="square" rtlCol="0">
             <a:spAutoFit/>
           </a:bodyPr>
           <a:lstStyle/>
           <a:p>
-            <a:pPr lvl="0"/>
-            <a:r>
-              <a:rPr lang="ru-RU" sz="2800" dirty="0"/>
-              <a:t>1 - разработка формул для вычисления площадей, </a:t>
-            </a:r>
-          </a:p>
-          <a:p>
-            <a:pPr lvl="0"/>
-            <a:r>
-              <a:rPr lang="ru-RU" sz="2800" dirty="0"/>
-              <a:t>и проверка их на правильность</a:t>
-            </a:r>
-          </a:p>
-          <a:p>
-            <a:pPr lvl="0"/>
-            <a:endParaRPr lang="ru-RU" sz="2800" dirty="0"/>
-          </a:p>
-          <a:p>
-            <a:pPr lvl="0"/>
-            <a:r>
-              <a:rPr lang="ru-RU" sz="2800" dirty="0"/>
-              <a:t>2 - добавление базы данных с различными задачи </a:t>
-            </a:r>
-          </a:p>
-          <a:p>
-            <a:pPr lvl="0"/>
-            <a:r>
-              <a:rPr lang="ru-RU" sz="2800" dirty="0"/>
-              <a:t>на нужные темы</a:t>
-            </a:r>
-          </a:p>
-          <a:p>
-            <a:pPr lvl="0"/>
-            <a:endParaRPr lang="ru-RU" sz="2800" dirty="0"/>
-          </a:p>
-          <a:p>
-            <a:pPr lvl="0"/>
-            <a:r>
-              <a:rPr lang="ru-RU" sz="2800" dirty="0"/>
-              <a:t>3 - разработка графического интерфейса, проверка </a:t>
-            </a:r>
-          </a:p>
-          <a:p>
-            <a:pPr lvl="0"/>
-            <a:r>
-              <a:rPr lang="ru-RU" sz="2800" dirty="0"/>
-              <a:t>на отсутствие проблем</a:t>
-            </a:r>
-          </a:p>
-          <a:p>
-            <a:endParaRPr lang="ru-RU" dirty="0"/>
-          </a:p>
-        </p:txBody>
-      </p:sp>
+            <a:pPr marL="457200" indent="-457200" algn="just">
+              <a:lnSpc>
+                <a:spcPct val="150000"/>
+              </a:lnSpc>
+              <a:buFont typeface="Arial" panose="020B0604020202020204" pitchFamily="34" charset="0"/>
+              <a:buChar char="•"/>
+            </a:pPr>
+            <a:r>
+              <a:rPr lang="ru-RU" sz="2400" dirty="0"/>
+              <a:t>Также программа отлавливает ошибки</a:t>
+            </a:r>
+            <a:r>
+              <a:rPr lang="en-US" sz="2400" dirty="0"/>
+              <a:t>, </a:t>
+            </a:r>
+            <a:r>
+              <a:rPr lang="ru-RU" sz="2400" dirty="0"/>
+              <a:t>которые может допустить пользователь</a:t>
+            </a:r>
+          </a:p>
+        </p:txBody>
+      </p:sp>
+      <p:pic>
+        <p:nvPicPr>
+          <p:cNvPr id="5" name="Рисунок 4">
+            <a:extLst>
+              <a:ext uri="{FF2B5EF4-FFF2-40B4-BE49-F238E27FC236}">
+                <a16:creationId xmlns:a16="http://schemas.microsoft.com/office/drawing/2014/main" id="{82FAE106-97FE-C646-B5FD-86E63EDA2E75}"/>
+              </a:ext>
+            </a:extLst>
+          </p:cNvPr>
+          <p:cNvPicPr>
+            <a:picLocks noChangeAspect="1"/>
+          </p:cNvPicPr>
+          <p:nvPr/>
+        </p:nvPicPr>
+        <p:blipFill>
+          <a:blip r:embed="rId4"/>
+          <a:stretch>
+            <a:fillRect/>
+          </a:stretch>
+        </p:blipFill>
+        <p:spPr>
+          <a:xfrm>
+            <a:off x="4727848" y="1381054"/>
+            <a:ext cx="4361778" cy="2824066"/>
+          </a:xfrm>
+          <a:prstGeom prst="rect">
+            <a:avLst/>
+          </a:prstGeom>
+        </p:spPr>
+      </p:pic>
+      <p:pic>
+        <p:nvPicPr>
+          <p:cNvPr id="7" name="Рисунок 6">
+            <a:extLst>
+              <a:ext uri="{FF2B5EF4-FFF2-40B4-BE49-F238E27FC236}">
+                <a16:creationId xmlns:a16="http://schemas.microsoft.com/office/drawing/2014/main" id="{9EAD0AC9-8FF5-8042-96A9-99831ADDB89D}"/>
+              </a:ext>
+            </a:extLst>
+          </p:cNvPr>
+          <p:cNvPicPr>
+            <a:picLocks noChangeAspect="1"/>
+          </p:cNvPicPr>
+          <p:nvPr/>
+        </p:nvPicPr>
+        <p:blipFill>
+          <a:blip r:embed="rId5"/>
+          <a:stretch>
+            <a:fillRect/>
+          </a:stretch>
+        </p:blipFill>
+        <p:spPr>
+          <a:xfrm>
+            <a:off x="9264352" y="1700808"/>
+            <a:ext cx="2699122" cy="1947045"/>
+          </a:xfrm>
+          <a:prstGeom prst="rect">
+            <a:avLst/>
+          </a:prstGeom>
+        </p:spPr>
+      </p:pic>
+      <p:pic>
+        <p:nvPicPr>
+          <p:cNvPr id="9" name="Рисунок 8">
+            <a:extLst>
+              <a:ext uri="{FF2B5EF4-FFF2-40B4-BE49-F238E27FC236}">
+                <a16:creationId xmlns:a16="http://schemas.microsoft.com/office/drawing/2014/main" id="{DECA160A-0467-3E4A-BD1F-DECDD6120622}"/>
+              </a:ext>
+            </a:extLst>
+          </p:cNvPr>
+          <p:cNvPicPr>
+            <a:picLocks noChangeAspect="1"/>
+          </p:cNvPicPr>
+          <p:nvPr/>
+        </p:nvPicPr>
+        <p:blipFill>
+          <a:blip r:embed="rId6"/>
+          <a:stretch>
+            <a:fillRect/>
+          </a:stretch>
+        </p:blipFill>
+        <p:spPr>
+          <a:xfrm>
+            <a:off x="6096000" y="3429000"/>
+            <a:ext cx="0" cy="0"/>
+          </a:xfrm>
+          <a:prstGeom prst="rect">
+            <a:avLst/>
+          </a:prstGeom>
+        </p:spPr>
+      </p:pic>
+      <p:pic>
+        <p:nvPicPr>
+          <p:cNvPr id="13" name="Рисунок 12">
+            <a:extLst>
+              <a:ext uri="{FF2B5EF4-FFF2-40B4-BE49-F238E27FC236}">
+                <a16:creationId xmlns:a16="http://schemas.microsoft.com/office/drawing/2014/main" id="{5587A8CA-0A31-1F47-87B7-9D540F946211}"/>
+              </a:ext>
+            </a:extLst>
+          </p:cNvPr>
+          <p:cNvPicPr>
+            <a:picLocks noChangeAspect="1"/>
+          </p:cNvPicPr>
+          <p:nvPr/>
+        </p:nvPicPr>
+        <p:blipFill>
+          <a:blip r:embed="rId7"/>
+          <a:stretch>
+            <a:fillRect/>
+          </a:stretch>
+        </p:blipFill>
+        <p:spPr>
+          <a:xfrm>
+            <a:off x="4895385" y="4368115"/>
+            <a:ext cx="6956755" cy="1547878"/>
+          </a:xfrm>
+          <a:prstGeom prst="rect">
+            <a:avLst/>
+          </a:prstGeom>
+        </p:spPr>
+      </p:pic>
     </p:spTree>
     <p:extLst>
       <p:ext uri="{BB962C8B-B14F-4D97-AF65-F5344CB8AC3E}">
-        <p14:creationId xmlns:p14="http://schemas.microsoft.com/office/powerpoint/2010/main" val="3126908897"/>
+        <p14:creationId xmlns:p14="http://schemas.microsoft.com/office/powerpoint/2010/main" val="3289689138"/>
       </p:ext>
     </p:extLst>
   </p:cSld>
@@ -6439,7 +6867,7 @@
           <p:cNvPr id="2" name="TextBox 1">
             <a:extLst>
               <a:ext uri="{FF2B5EF4-FFF2-40B4-BE49-F238E27FC236}">
-                <a16:creationId xmlns:a16="http://schemas.microsoft.com/office/drawing/2014/main" id="{78995021-96E3-FB47-9240-1C2C280AE980}"/>
+                <a16:creationId xmlns:a16="http://schemas.microsoft.com/office/drawing/2014/main" id="{5CE5B4B2-013D-2541-9F16-9B599EC7239E}"/>
               </a:ext>
             </a:extLst>
           </p:cNvPr>
@@ -6449,7 +6877,7 @@
         <p:spPr>
           <a:xfrm>
             <a:off x="1703512" y="404664"/>
-            <a:ext cx="7859909" cy="769441"/>
+            <a:ext cx="5343963" cy="769441"/>
           </a:xfrm>
           <a:prstGeom prst="rect">
             <a:avLst/>
@@ -6463,8 +6891,12 @@
           <a:lstStyle/>
           <a:p>
             <a:r>
-              <a:rPr lang="ru-RU" sz="4400" b="1" dirty="0"/>
-              <a:t>Демонстрация результатов</a:t>
+              <a:rPr lang="ru-RU" sz="4400" b="1" dirty="0">
+                <a:solidFill>
+                  <a:srgbClr val="001F4F"/>
+                </a:solidFill>
+              </a:rPr>
+              <a:t>Этапы разработки</a:t>
             </a:r>
           </a:p>
         </p:txBody>
@@ -6474,7 +6906,7 @@
           <p:cNvPr id="3" name="TextBox 2">
             <a:extLst>
               <a:ext uri="{FF2B5EF4-FFF2-40B4-BE49-F238E27FC236}">
-                <a16:creationId xmlns:a16="http://schemas.microsoft.com/office/drawing/2014/main" id="{393B9363-118C-154D-B11D-8EC1DD764CE4}"/>
+                <a16:creationId xmlns:a16="http://schemas.microsoft.com/office/drawing/2014/main" id="{65262EE3-BFAC-7E42-8FDD-F6A66B7885EB}"/>
               </a:ext>
             </a:extLst>
           </p:cNvPr>
@@ -6483,8 +6915,8 @@
         </p:nvSpPr>
         <p:spPr>
           <a:xfrm>
-            <a:off x="551384" y="1644537"/>
-            <a:ext cx="9763057" cy="2308324"/>
+            <a:off x="551384" y="1988840"/>
+            <a:ext cx="8956234" cy="3816429"/>
           </a:xfrm>
           <a:prstGeom prst="rect">
             <a:avLst/>
@@ -6497,74 +6929,64 @@
           </a:bodyPr>
           <a:lstStyle/>
           <a:p>
-            <a:r>
-              <a:rPr lang="ru-RU" sz="2400" dirty="0"/>
-              <a:t>Демонстрацию готовой программы можно найти по данной ссылке</a:t>
-            </a:r>
-          </a:p>
-          <a:p>
-            <a:endParaRPr lang="ru-RU" sz="2400" dirty="0"/>
-          </a:p>
-          <a:p>
-            <a:r>
-              <a:rPr lang="en" sz="2400" dirty="0">
-                <a:hlinkClick r:id="rId4"/>
-              </a:rPr>
-              <a:t>https://youtu.be/v56c3S8508c</a:t>
-            </a:r>
-            <a:endParaRPr lang="en" sz="2400" dirty="0"/>
-          </a:p>
-          <a:p>
-            <a:endParaRPr lang="en-US" sz="2400" dirty="0"/>
-          </a:p>
-          <a:p>
-            <a:r>
-              <a:rPr lang="en" sz="2400" dirty="0">
-                <a:hlinkClick r:id="rId5"/>
-              </a:rPr>
-              <a:t>https://github.com/kuushma/calculat</a:t>
-            </a:r>
-            <a:endParaRPr lang="ru-RU" sz="2400" dirty="0"/>
-          </a:p>
-          <a:p>
-            <a:endParaRPr lang="ru-RU" sz="2400" dirty="0"/>
-          </a:p>
-        </p:txBody>
-      </p:sp>
-      <p:pic>
-        <p:nvPicPr>
-          <p:cNvPr id="11" name="Рисунок 10">
-            <a:extLst>
-              <a:ext uri="{FF2B5EF4-FFF2-40B4-BE49-F238E27FC236}">
-                <a16:creationId xmlns:a16="http://schemas.microsoft.com/office/drawing/2014/main" id="{F4C23380-5BFF-7B42-ABD0-D9CC57B94D3C}"/>
-              </a:ext>
-            </a:extLst>
-          </p:cNvPr>
-          <p:cNvPicPr>
-            <a:picLocks noChangeAspect="1"/>
-          </p:cNvPicPr>
-          <p:nvPr/>
-        </p:nvPicPr>
-        <p:blipFill>
-          <a:blip r:embed="rId6"/>
-          <a:stretch>
-            <a:fillRect/>
-          </a:stretch>
-        </p:blipFill>
-        <p:spPr>
-          <a:xfrm>
-            <a:off x="8475596" y="2294745"/>
-            <a:ext cx="3165020" cy="4095277"/>
-          </a:xfrm>
-          <a:prstGeom prst="rect">
-            <a:avLst/>
-          </a:prstGeom>
-        </p:spPr>
-      </p:pic>
+            <a:pPr lvl="0"/>
+            <a:r>
+              <a:rPr lang="ru-RU" sz="2800" dirty="0"/>
+              <a:t>1 - разработка формул для вычисления площадей, </a:t>
+            </a:r>
+          </a:p>
+          <a:p>
+            <a:pPr lvl="0"/>
+            <a:r>
+              <a:rPr lang="ru-RU" sz="2800" dirty="0"/>
+              <a:t>и проверка их на правильность</a:t>
+            </a:r>
+          </a:p>
+          <a:p>
+            <a:pPr lvl="0"/>
+            <a:endParaRPr lang="ru-RU" sz="2800" dirty="0"/>
+          </a:p>
+          <a:p>
+            <a:pPr lvl="0"/>
+            <a:r>
+              <a:rPr lang="ru-RU" sz="2800" dirty="0"/>
+              <a:t>2 - добавление базы данных с различными задачи </a:t>
+            </a:r>
+          </a:p>
+          <a:p>
+            <a:pPr lvl="0"/>
+            <a:r>
+              <a:rPr lang="ru-RU" sz="2800" dirty="0"/>
+              <a:t>на нужные темы</a:t>
+            </a:r>
+          </a:p>
+          <a:p>
+            <a:pPr lvl="0"/>
+            <a:endParaRPr lang="ru-RU" sz="2800" dirty="0"/>
+          </a:p>
+          <a:p>
+            <a:pPr lvl="0"/>
+            <a:r>
+              <a:rPr lang="ru-RU" sz="2800" dirty="0"/>
+              <a:t>3 - разработка графического интерфейса, проверка </a:t>
+            </a:r>
+          </a:p>
+          <a:p>
+            <a:pPr lvl="0"/>
+            <a:r>
+              <a:rPr lang="ru-RU" sz="2800" dirty="0"/>
+              <a:t>на отсутствие проблем</a:t>
+            </a:r>
+          </a:p>
+          <a:p>
+            <a:endParaRPr lang="ru-RU" dirty="0"/>
+          </a:p>
+        </p:txBody>
+      </p:sp>
     </p:spTree>
     <p:extLst>
       <p:ext uri="{BB962C8B-B14F-4D97-AF65-F5344CB8AC3E}">
-        <p14:creationId xmlns:p14="http://schemas.microsoft.com/office/powerpoint/2010/main" val="2345751366"/>
+        <p14:creationId xmlns:p14="http://schemas.microsoft.com/office/powerpoint/2010/main" val="3126908897"/>
       </p:ext>
     </p:extLst>
   </p:cSld>
@@ -6610,7 +7032,7 @@
           <p:cNvPr id="2" name="TextBox 1">
             <a:extLst>
               <a:ext uri="{FF2B5EF4-FFF2-40B4-BE49-F238E27FC236}">
-                <a16:creationId xmlns:a16="http://schemas.microsoft.com/office/drawing/2014/main" id="{EEE6D9F6-A85C-3A47-9DB8-E3C33FFAD9EB}"/>
+                <a16:creationId xmlns:a16="http://schemas.microsoft.com/office/drawing/2014/main" id="{78995021-96E3-FB47-9240-1C2C280AE980}"/>
               </a:ext>
             </a:extLst>
           </p:cNvPr>
@@ -6620,7 +7042,7 @@
         <p:spPr>
           <a:xfrm>
             <a:off x="1703512" y="404664"/>
-            <a:ext cx="6855210" cy="769441"/>
+            <a:ext cx="7859909" cy="769441"/>
           </a:xfrm>
           <a:prstGeom prst="rect">
             <a:avLst/>
@@ -6634,8 +7056,12 @@
           <a:lstStyle/>
           <a:p>
             <a:r>
-              <a:rPr lang="ru-RU" sz="4400" b="1" dirty="0"/>
-              <a:t>Перспективы развития </a:t>
+              <a:rPr lang="ru-RU" sz="4400" b="1" dirty="0">
+                <a:solidFill>
+                  <a:srgbClr val="001F4F"/>
+                </a:solidFill>
+              </a:rPr>
+              <a:t>Демонстрация результатов</a:t>
             </a:r>
           </a:p>
         </p:txBody>
@@ -6645,7 +7071,7 @@
           <p:cNvPr id="3" name="TextBox 2">
             <a:extLst>
               <a:ext uri="{FF2B5EF4-FFF2-40B4-BE49-F238E27FC236}">
-                <a16:creationId xmlns:a16="http://schemas.microsoft.com/office/drawing/2014/main" id="{9BD5324A-91F4-884C-861A-EC2538E5BB7F}"/>
+                <a16:creationId xmlns:a16="http://schemas.microsoft.com/office/drawing/2014/main" id="{393B9363-118C-154D-B11D-8EC1DD764CE4}"/>
               </a:ext>
             </a:extLst>
           </p:cNvPr>
@@ -6654,8 +7080,8 @@
         </p:nvSpPr>
         <p:spPr>
           <a:xfrm>
-            <a:off x="384116" y="1988840"/>
-            <a:ext cx="11400516" cy="3347840"/>
+            <a:off x="551384" y="1644537"/>
+            <a:ext cx="9763057" cy="2308324"/>
           </a:xfrm>
           <a:prstGeom prst="rect">
             <a:avLst/>
@@ -6663,79 +7089,79 @@
           <a:noFill/>
         </p:spPr>
         <p:txBody>
-          <a:bodyPr wrap="square" rtlCol="0">
+          <a:bodyPr wrap="none" rtlCol="0">
             <a:spAutoFit/>
           </a:bodyPr>
           <a:lstStyle/>
           <a:p>
-            <a:pPr marL="457200" indent="-457200" algn="just">
-              <a:lnSpc>
-                <a:spcPct val="150000"/>
-              </a:lnSpc>
-              <a:buFont typeface="Arial" panose="020B0604020202020204" pitchFamily="34" charset="0"/>
-              <a:buChar char="•"/>
-            </a:pPr>
             <a:r>
               <a:rPr lang="ru-RU" sz="2400" dirty="0"/>
-              <a:t>В будущем данную программу можно будет дополнять другими мало известными формулами</a:t>
-            </a:r>
-            <a:r>
-              <a:rPr lang="en-US" sz="2400" dirty="0"/>
-              <a:t>,</a:t>
-            </a:r>
-            <a:r>
-              <a:rPr lang="ru-RU" sz="2400" dirty="0"/>
-              <a:t> которые могут пригодиться уже не только 8 классу</a:t>
-            </a:r>
-            <a:r>
-              <a:rPr lang="en-US" sz="2400" dirty="0"/>
-              <a:t>, </a:t>
-            </a:r>
-            <a:r>
-              <a:rPr lang="ru-RU" sz="2400" dirty="0"/>
-              <a:t>но так же и старшеклассникам</a:t>
-            </a:r>
-            <a:r>
-              <a:rPr lang="en-US" sz="2400" dirty="0"/>
-              <a:t>.</a:t>
-            </a:r>
+              <a:t>Демонстрацию готовой программы можно найти по данной ссылке</a:t>
+            </a:r>
+          </a:p>
+          <a:p>
             <a:endParaRPr lang="ru-RU" sz="2400" dirty="0"/>
           </a:p>
           <a:p>
-            <a:pPr algn="just">
-              <a:lnSpc>
-                <a:spcPct val="150000"/>
-              </a:lnSpc>
-            </a:pPr>
+            <a:r>
+              <a:rPr lang="en" sz="2400" dirty="0">
+                <a:hlinkClick r:id="rId4"/>
+              </a:rPr>
+              <a:t>https://youtu.be/v56c3S8508c</a:t>
+            </a:r>
+            <a:endParaRPr lang="en" sz="2400" dirty="0"/>
+          </a:p>
+          <a:p>
             <a:endParaRPr lang="en-US" sz="2400" dirty="0"/>
           </a:p>
           <a:p>
-            <a:pPr marL="457200" indent="-457200" algn="just">
-              <a:lnSpc>
-                <a:spcPct val="150000"/>
-              </a:lnSpc>
-              <a:buFont typeface="Arial" panose="020B0604020202020204" pitchFamily="34" charset="0"/>
-              <a:buChar char="•"/>
-            </a:pPr>
-            <a:r>
-              <a:rPr lang="ru-RU" sz="2400" dirty="0"/>
-              <a:t>Усовершенствовать генератор задач</a:t>
-            </a:r>
-            <a:r>
-              <a:rPr lang="en-US" sz="2400" dirty="0"/>
-              <a:t>, </a:t>
-            </a:r>
-            <a:r>
-              <a:rPr lang="ru-RU" sz="2400" dirty="0"/>
-              <a:t>для того чтобы он мог генерировать задачи с большим количеством изменяемых переменных</a:t>
-            </a:r>
-          </a:p>
-        </p:txBody>
-      </p:sp>
+            <a:r>
+              <a:rPr lang="en" sz="2400" dirty="0">
+                <a:hlinkClick r:id="rId5"/>
+              </a:rPr>
+              <a:t>https://github.com/kuushma/calculat</a:t>
+            </a:r>
+            <a:endParaRPr lang="ru-RU" sz="2400" dirty="0"/>
+          </a:p>
+          <a:p>
+            <a:endParaRPr lang="ru-RU" sz="2400" dirty="0"/>
+          </a:p>
+        </p:txBody>
+      </p:sp>
+      <p:pic>
+        <p:nvPicPr>
+          <p:cNvPr id="11" name="Рисунок 10">
+            <a:extLst>
+              <a:ext uri="{FF2B5EF4-FFF2-40B4-BE49-F238E27FC236}">
+                <a16:creationId xmlns:a16="http://schemas.microsoft.com/office/drawing/2014/main" id="{F4C23380-5BFF-7B42-ABD0-D9CC57B94D3C}"/>
+              </a:ext>
+            </a:extLst>
+          </p:cNvPr>
+          <p:cNvPicPr>
+            <a:picLocks noChangeAspect="1"/>
+          </p:cNvPicPr>
+          <p:nvPr/>
+        </p:nvPicPr>
+        <p:blipFill>
+          <a:blip r:embed="rId6"/>
+          <a:stretch>
+            <a:fillRect/>
+          </a:stretch>
+        </p:blipFill>
+        <p:spPr>
+          <a:xfrm>
+            <a:off x="8475596" y="2294745"/>
+            <a:ext cx="3165020" cy="4095277"/>
+          </a:xfrm>
+          <a:prstGeom prst="rect">
+            <a:avLst/>
+          </a:prstGeom>
+        </p:spPr>
+      </p:pic>
     </p:spTree>
     <p:extLst>
       <p:ext uri="{BB962C8B-B14F-4D97-AF65-F5344CB8AC3E}">
-        <p14:creationId xmlns:p14="http://schemas.microsoft.com/office/powerpoint/2010/main" val="2739388265"/>
+        <p14:creationId xmlns:p14="http://schemas.microsoft.com/office/powerpoint/2010/main" val="2345751366"/>
       </p:ext>
     </p:extLst>
   </p:cSld>
